--- a/Documents/Slide/Bài thuyết trình - Hệ thống Multi-Agent Viet Nam Stock.pptx
+++ b/Documents/Slide/Bài thuyết trình - Hệ thống Multi-Agent Viet Nam Stock.pptx
@@ -14,25 +14,26 @@
     <p:sldId id="262" r:id="rId12"/>
     <p:sldId id="263" r:id="rId13"/>
     <p:sldId id="264" r:id="rId14"/>
+    <p:sldId id="265" r:id="rId15"/>
   </p:sldIdLst>
   <p:sldSz cx="18288000" cy="10287000"/>
   <p:notesSz cx="6858000" cy="9144000"/>
   <p:embeddedFontLst>
     <p:embeddedFont>
       <p:font typeface="Tenor Sans" charset="1" panose="02000000000000000000"/>
-      <p:regular r:id="rId15"/>
+      <p:regular r:id="rId16"/>
     </p:embeddedFont>
     <p:embeddedFont>
       <p:font typeface="Clear Sans" charset="1" panose="020B0503030202020304"/>
-      <p:regular r:id="rId16"/>
+      <p:regular r:id="rId17"/>
     </p:embeddedFont>
     <p:embeddedFont>
       <p:font typeface="Clear Sans Medium" charset="1" panose="020B0603030202020304"/>
-      <p:regular r:id="rId17"/>
+      <p:regular r:id="rId18"/>
     </p:embeddedFont>
     <p:embeddedFont>
       <p:font typeface="Clear Sans Bold" charset="1" panose="020B0803030202020304"/>
-      <p:regular r:id="rId18"/>
+      <p:regular r:id="rId19"/>
     </p:embeddedFont>
   </p:embeddedFontLst>
   <p:defaultTextStyle>
@@ -3315,6 +3316,188 @@
 </p:sld>
 </file>
 
+<file path=ppt/slides/slide10.xml><?xml version="1.0" encoding="utf-8"?>
+<p:sld xmlns:p="http://schemas.openxmlformats.org/presentationml/2006/main" xmlns:a="http://schemas.openxmlformats.org/drawingml/2006/main" xmlns:r="http://schemas.openxmlformats.org/officeDocument/2006/relationships">
+  <p:cSld>
+    <p:bg>
+      <p:bgPr>
+        <a:solidFill>
+          <a:srgbClr val="3949AB"/>
+        </a:solidFill>
+      </p:bgPr>
+    </p:bg>
+    <p:spTree>
+      <p:nvGrpSpPr>
+        <p:cNvPr id="1" name=""/>
+        <p:cNvGrpSpPr/>
+        <p:nvPr/>
+      </p:nvGrpSpPr>
+      <p:grpSpPr>
+        <a:xfrm>
+          <a:off x="0" y="0"/>
+          <a:ext cx="0" cy="0"/>
+          <a:chOff x="0" y="0"/>
+          <a:chExt cx="0" cy="0"/>
+        </a:xfrm>
+      </p:grpSpPr>
+      <p:sp>
+        <p:nvSpPr>
+          <p:cNvPr name="Freeform 2" id="2"/>
+          <p:cNvSpPr/>
+          <p:nvPr/>
+        </p:nvSpPr>
+        <p:spPr>
+          <a:xfrm flipH="false" flipV="false" rot="-2926989">
+            <a:off x="-12431368" y="-8975965"/>
+            <a:ext cx="27274407" cy="25058977"/>
+          </a:xfrm>
+          <a:custGeom>
+            <a:avLst/>
+            <a:gdLst/>
+            <a:ahLst/>
+            <a:cxnLst/>
+            <a:rect r="r" b="b" t="t" l="l"/>
+            <a:pathLst>
+              <a:path h="25058977" w="27274407">
+                <a:moveTo>
+                  <a:pt x="0" y="0"/>
+                </a:moveTo>
+                <a:lnTo>
+                  <a:pt x="27274407" y="0"/>
+                </a:lnTo>
+                <a:lnTo>
+                  <a:pt x="27274407" y="25058977"/>
+                </a:lnTo>
+                <a:lnTo>
+                  <a:pt x="0" y="25058977"/>
+                </a:lnTo>
+                <a:lnTo>
+                  <a:pt x="0" y="0"/>
+                </a:lnTo>
+                <a:close/>
+              </a:path>
+            </a:pathLst>
+          </a:custGeom>
+          <a:blipFill>
+            <a:blip r:embed="rId2">
+              <a:extLst>
+                <a:ext uri="{96DAC541-7B7A-43D3-8B79-37D633B846F1}">
+                  <asvg:svgBlip xmlns:asvg="http://schemas.microsoft.com/office/drawing/2016/SVG/main" r:embed="rId3"/>
+                </a:ext>
+              </a:extLst>
+            </a:blip>
+            <a:stretch>
+              <a:fillRect l="0" t="0" r="0" b="0"/>
+            </a:stretch>
+          </a:blipFill>
+          <a:ln cap="sq">
+            <a:noFill/>
+            <a:prstDash val="solid"/>
+            <a:miter/>
+          </a:ln>
+        </p:spPr>
+      </p:sp>
+      <p:sp>
+        <p:nvSpPr>
+          <p:cNvPr name="Freeform 3" id="3"/>
+          <p:cNvSpPr/>
+          <p:nvPr/>
+        </p:nvSpPr>
+        <p:spPr>
+          <a:xfrm flipH="false" flipV="false" rot="5111384">
+            <a:off x="13680135" y="1098024"/>
+            <a:ext cx="12122938" cy="11672351"/>
+          </a:xfrm>
+          <a:custGeom>
+            <a:avLst/>
+            <a:gdLst/>
+            <a:ahLst/>
+            <a:cxnLst/>
+            <a:rect r="r" b="b" t="t" l="l"/>
+            <a:pathLst>
+              <a:path h="11672351" w="12122938">
+                <a:moveTo>
+                  <a:pt x="0" y="0"/>
+                </a:moveTo>
+                <a:lnTo>
+                  <a:pt x="12122939" y="0"/>
+                </a:lnTo>
+                <a:lnTo>
+                  <a:pt x="12122939" y="11672352"/>
+                </a:lnTo>
+                <a:lnTo>
+                  <a:pt x="0" y="11672352"/>
+                </a:lnTo>
+                <a:lnTo>
+                  <a:pt x="0" y="0"/>
+                </a:lnTo>
+                <a:close/>
+              </a:path>
+            </a:pathLst>
+          </a:custGeom>
+          <a:blipFill>
+            <a:blip r:embed="rId4">
+              <a:extLst>
+                <a:ext uri="{96DAC541-7B7A-43D3-8B79-37D633B846F1}">
+                  <asvg:svgBlip xmlns:asvg="http://schemas.microsoft.com/office/drawing/2016/SVG/main" r:embed="rId5"/>
+                </a:ext>
+              </a:extLst>
+            </a:blip>
+            <a:stretch>
+              <a:fillRect l="0" t="0" r="0" b="0"/>
+            </a:stretch>
+          </a:blipFill>
+        </p:spPr>
+      </p:sp>
+      <p:sp>
+        <p:nvSpPr>
+          <p:cNvPr name="TextBox 4" id="4"/>
+          <p:cNvSpPr txBox="true"/>
+          <p:nvPr/>
+        </p:nvSpPr>
+        <p:spPr>
+          <a:xfrm rot="0">
+            <a:off x="1028700" y="3553523"/>
+            <a:ext cx="11201400" cy="2114550"/>
+          </a:xfrm>
+          <a:prstGeom prst="rect">
+            <a:avLst/>
+          </a:prstGeom>
+        </p:spPr>
+        <p:txBody>
+          <a:bodyPr anchor="t" rtlCol="false" tIns="0" lIns="0" bIns="0" rIns="0">
+            <a:spAutoFit/>
+          </a:bodyPr>
+          <a:lstStyle/>
+          <a:p>
+            <a:pPr algn="l" marL="0" indent="0" lvl="0">
+              <a:lnSpc>
+                <a:spcPts val="8399"/>
+              </a:lnSpc>
+            </a:pPr>
+            <a:r>
+              <a:rPr lang="en-US" sz="6999" spc="-139">
+                <a:solidFill>
+                  <a:srgbClr val="FFFFFF"/>
+                </a:solidFill>
+                <a:latin typeface="Tenor Sans"/>
+                <a:ea typeface="Tenor Sans"/>
+                <a:cs typeface="Tenor Sans"/>
+                <a:sym typeface="Tenor Sans"/>
+              </a:rPr>
+              <a:t>Thanks for listening !!! Good luck on your bet !!!</a:t>
+            </a:r>
+          </a:p>
+        </p:txBody>
+      </p:sp>
+    </p:spTree>
+  </p:cSld>
+  <p:clrMapOvr>
+    <a:masterClrMapping/>
+  </p:clrMapOvr>
+</p:sld>
+</file>
+
 <file path=ppt/slides/slide2.xml><?xml version="1.0" encoding="utf-8"?>
 <p:sld xmlns:p="http://schemas.openxmlformats.org/presentationml/2006/main" xmlns:a="http://schemas.openxmlformats.org/drawingml/2006/main" xmlns:r="http://schemas.openxmlformats.org/officeDocument/2006/relationships">
   <p:cSld>
@@ -3396,15 +3579,61 @@
           </a:ln>
         </p:spPr>
       </p:sp>
+      <p:sp>
+        <p:nvSpPr>
+          <p:cNvPr name="Freeform 3" id="3"/>
+          <p:cNvSpPr/>
+          <p:nvPr/>
+        </p:nvSpPr>
+        <p:spPr>
+          <a:xfrm flipH="false" flipV="false" rot="0">
+            <a:off x="8920053" y="4981263"/>
+            <a:ext cx="9367947" cy="5305737"/>
+          </a:xfrm>
+          <a:custGeom>
+            <a:avLst/>
+            <a:gdLst/>
+            <a:ahLst/>
+            <a:cxnLst/>
+            <a:rect r="r" b="b" t="t" l="l"/>
+            <a:pathLst>
+              <a:path h="5305737" w="9367947">
+                <a:moveTo>
+                  <a:pt x="0" y="0"/>
+                </a:moveTo>
+                <a:lnTo>
+                  <a:pt x="9367947" y="0"/>
+                </a:lnTo>
+                <a:lnTo>
+                  <a:pt x="9367947" y="5305737"/>
+                </a:lnTo>
+                <a:lnTo>
+                  <a:pt x="0" y="5305737"/>
+                </a:lnTo>
+                <a:lnTo>
+                  <a:pt x="0" y="0"/>
+                </a:lnTo>
+                <a:close/>
+              </a:path>
+            </a:pathLst>
+          </a:custGeom>
+          <a:blipFill>
+            <a:blip r:embed="rId4"/>
+            <a:stretch>
+              <a:fillRect l="-610" t="0" r="0" b="0"/>
+            </a:stretch>
+          </a:blipFill>
+        </p:spPr>
+      </p:sp>
       <p:grpSp>
         <p:nvGrpSpPr>
-          <p:cNvPr name="Group 3" id="3"/>
+          <p:cNvPr name="Group 4" id="4"/>
           <p:cNvGrpSpPr/>
           <p:nvPr/>
         </p:nvGrpSpPr>
         <p:grpSpPr>
           <a:xfrm rot="0">
-            <a:off x="666750" y="1562100"/>
+            <a:off x="409575" y="717999"/>
             <a:ext cx="9763125" cy="4263264"/>
             <a:chOff x="0" y="0"/>
             <a:chExt cx="13017500" cy="5684353"/>
@@ -3412,7 +3641,7 @@
         </p:grpSpPr>
         <p:sp>
           <p:nvSpPr>
-            <p:cNvPr name="TextBox 4" id="4"/>
+            <p:cNvPr name="TextBox 5" id="5"/>
             <p:cNvSpPr txBox="true"/>
             <p:nvPr/>
           </p:nvSpPr>
@@ -3453,7 +3682,7 @@
         </p:sp>
         <p:sp>
           <p:nvSpPr>
-            <p:cNvPr name="TextBox 5" id="5"/>
+            <p:cNvPr name="TextBox 6" id="6"/>
             <p:cNvSpPr txBox="true"/>
             <p:nvPr/>
           </p:nvSpPr>
@@ -3497,7 +3726,7 @@
         </p:sp>
         <p:sp>
           <p:nvSpPr>
-            <p:cNvPr name="TextBox 6" id="6"/>
+            <p:cNvPr name="TextBox 7" id="7"/>
             <p:cNvSpPr txBox="true"/>
             <p:nvPr/>
           </p:nvSpPr>
@@ -3598,7 +3827,110 @@
       </p:grpSpPr>
       <p:sp>
         <p:nvSpPr>
-          <p:cNvPr name="TextBox 2" id="2"/>
+          <p:cNvPr name="Freeform 2" id="2"/>
+          <p:cNvSpPr/>
+          <p:nvPr/>
+        </p:nvSpPr>
+        <p:spPr>
+          <a:xfrm flipH="false" flipV="false" rot="0">
+            <a:off x="-3137432" y="7200900"/>
+            <a:ext cx="6274865" cy="4114800"/>
+          </a:xfrm>
+          <a:custGeom>
+            <a:avLst/>
+            <a:gdLst/>
+            <a:ahLst/>
+            <a:cxnLst/>
+            <a:rect r="r" b="b" t="t" l="l"/>
+            <a:pathLst>
+              <a:path h="4114800" w="6274865">
+                <a:moveTo>
+                  <a:pt x="0" y="0"/>
+                </a:moveTo>
+                <a:lnTo>
+                  <a:pt x="6274864" y="0"/>
+                </a:lnTo>
+                <a:lnTo>
+                  <a:pt x="6274864" y="4114800"/>
+                </a:lnTo>
+                <a:lnTo>
+                  <a:pt x="0" y="4114800"/>
+                </a:lnTo>
+                <a:lnTo>
+                  <a:pt x="0" y="0"/>
+                </a:lnTo>
+                <a:close/>
+              </a:path>
+            </a:pathLst>
+          </a:custGeom>
+          <a:blipFill>
+            <a:blip r:embed="rId2">
+              <a:extLst>
+                <a:ext uri="{96DAC541-7B7A-43D3-8B79-37D633B846F1}">
+                  <asvg:svgBlip xmlns:asvg="http://schemas.microsoft.com/office/drawing/2016/SVG/main" r:embed="rId3"/>
+                </a:ext>
+              </a:extLst>
+            </a:blip>
+            <a:stretch>
+              <a:fillRect l="0" t="0" r="0" b="0"/>
+            </a:stretch>
+          </a:blipFill>
+          <a:ln cap="sq">
+            <a:noFill/>
+            <a:prstDash val="solid"/>
+            <a:miter/>
+          </a:ln>
+        </p:spPr>
+      </p:sp>
+      <p:sp>
+        <p:nvSpPr>
+          <p:cNvPr name="Freeform 3" id="3"/>
+          <p:cNvSpPr/>
+          <p:nvPr/>
+        </p:nvSpPr>
+        <p:spPr>
+          <a:xfrm flipH="false" flipV="false" rot="0">
+            <a:off x="666750" y="4022421"/>
+            <a:ext cx="6356958" cy="5728308"/>
+          </a:xfrm>
+          <a:custGeom>
+            <a:avLst/>
+            <a:gdLst/>
+            <a:ahLst/>
+            <a:cxnLst/>
+            <a:rect r="r" b="b" t="t" l="l"/>
+            <a:pathLst>
+              <a:path h="5728308" w="6356958">
+                <a:moveTo>
+                  <a:pt x="0" y="0"/>
+                </a:moveTo>
+                <a:lnTo>
+                  <a:pt x="6356958" y="0"/>
+                </a:lnTo>
+                <a:lnTo>
+                  <a:pt x="6356958" y="5728308"/>
+                </a:lnTo>
+                <a:lnTo>
+                  <a:pt x="0" y="5728308"/>
+                </a:lnTo>
+                <a:lnTo>
+                  <a:pt x="0" y="0"/>
+                </a:lnTo>
+                <a:close/>
+              </a:path>
+            </a:pathLst>
+          </a:custGeom>
+          <a:blipFill>
+            <a:blip r:embed="rId4"/>
+            <a:stretch>
+              <a:fillRect l="0" t="0" r="0" b="-10974"/>
+            </a:stretch>
+          </a:blipFill>
+        </p:spPr>
+      </p:sp>
+      <p:sp>
+        <p:nvSpPr>
+          <p:cNvPr name="TextBox 4" id="4"/>
           <p:cNvSpPr txBox="true"/>
           <p:nvPr/>
         </p:nvSpPr>
@@ -3639,7 +3971,7 @@
       </p:sp>
       <p:grpSp>
         <p:nvGrpSpPr>
-          <p:cNvPr name="Group 3" id="3"/>
+          <p:cNvPr name="Group 5" id="5"/>
           <p:cNvGrpSpPr/>
           <p:nvPr/>
         </p:nvGrpSpPr>
@@ -3653,7 +3985,7 @@
         </p:grpSpPr>
         <p:sp>
           <p:nvSpPr>
-            <p:cNvPr name="TextBox 4" id="4"/>
+            <p:cNvPr name="TextBox 6" id="6"/>
             <p:cNvSpPr txBox="true"/>
             <p:nvPr/>
           </p:nvSpPr>
@@ -3697,7 +4029,7 @@
         </p:sp>
         <p:sp>
           <p:nvSpPr>
-            <p:cNvPr name="TextBox 5" id="5"/>
+            <p:cNvPr name="TextBox 7" id="7"/>
             <p:cNvSpPr txBox="true"/>
             <p:nvPr/>
           </p:nvSpPr>
@@ -3766,7 +4098,7 @@
       </p:grpSp>
       <p:grpSp>
         <p:nvGrpSpPr>
-          <p:cNvPr name="Group 6" id="6"/>
+          <p:cNvPr name="Group 8" id="8"/>
           <p:cNvGrpSpPr/>
           <p:nvPr/>
         </p:nvGrpSpPr>
@@ -3780,7 +4112,7 @@
         </p:grpSpPr>
         <p:sp>
           <p:nvSpPr>
-            <p:cNvPr name="TextBox 7" id="7"/>
+            <p:cNvPr name="TextBox 9" id="9"/>
             <p:cNvSpPr txBox="true"/>
             <p:nvPr/>
           </p:nvSpPr>
@@ -3824,7 +4156,7 @@
         </p:sp>
         <p:sp>
           <p:nvSpPr>
-            <p:cNvPr name="TextBox 8" id="8"/>
+            <p:cNvPr name="TextBox 10" id="10"/>
             <p:cNvSpPr txBox="true"/>
             <p:nvPr/>
           </p:nvSpPr>
@@ -3893,7 +4225,7 @@
       </p:grpSp>
       <p:grpSp>
         <p:nvGrpSpPr>
-          <p:cNvPr name="Group 9" id="9"/>
+          <p:cNvPr name="Group 11" id="11"/>
           <p:cNvGrpSpPr/>
           <p:nvPr/>
         </p:nvGrpSpPr>
@@ -3907,7 +4239,7 @@
         </p:grpSpPr>
         <p:sp>
           <p:nvSpPr>
-            <p:cNvPr name="TextBox 10" id="10"/>
+            <p:cNvPr name="TextBox 12" id="12"/>
             <p:cNvSpPr txBox="true"/>
             <p:nvPr/>
           </p:nvSpPr>
@@ -3951,7 +4283,7 @@
         </p:sp>
         <p:sp>
           <p:nvSpPr>
-            <p:cNvPr name="TextBox 11" id="11"/>
+            <p:cNvPr name="TextBox 13" id="13"/>
             <p:cNvSpPr txBox="true"/>
             <p:nvPr/>
           </p:nvSpPr>
@@ -4018,63 +4350,6 @@
           </p:txBody>
         </p:sp>
       </p:grpSp>
-      <p:sp>
-        <p:nvSpPr>
-          <p:cNvPr name="Freeform 12" id="12"/>
-          <p:cNvSpPr/>
-          <p:nvPr/>
-        </p:nvSpPr>
-        <p:spPr>
-          <a:xfrm flipH="false" flipV="false" rot="0">
-            <a:off x="-3137432" y="7200900"/>
-            <a:ext cx="6274865" cy="4114800"/>
-          </a:xfrm>
-          <a:custGeom>
-            <a:avLst/>
-            <a:gdLst/>
-            <a:ahLst/>
-            <a:cxnLst/>
-            <a:rect r="r" b="b" t="t" l="l"/>
-            <a:pathLst>
-              <a:path h="4114800" w="6274865">
-                <a:moveTo>
-                  <a:pt x="0" y="0"/>
-                </a:moveTo>
-                <a:lnTo>
-                  <a:pt x="6274864" y="0"/>
-                </a:lnTo>
-                <a:lnTo>
-                  <a:pt x="6274864" y="4114800"/>
-                </a:lnTo>
-                <a:lnTo>
-                  <a:pt x="0" y="4114800"/>
-                </a:lnTo>
-                <a:lnTo>
-                  <a:pt x="0" y="0"/>
-                </a:lnTo>
-                <a:close/>
-              </a:path>
-            </a:pathLst>
-          </a:custGeom>
-          <a:blipFill>
-            <a:blip r:embed="rId2">
-              <a:extLst>
-                <a:ext uri="{96DAC541-7B7A-43D3-8B79-37D633B846F1}">
-                  <asvg:svgBlip xmlns:asvg="http://schemas.microsoft.com/office/drawing/2016/SVG/main" r:embed="rId3"/>
-                </a:ext>
-              </a:extLst>
-            </a:blip>
-            <a:stretch>
-              <a:fillRect l="0" t="0" r="0" b="0"/>
-            </a:stretch>
-          </a:blipFill>
-          <a:ln cap="sq">
-            <a:noFill/>
-            <a:prstDash val="solid"/>
-            <a:miter/>
-          </a:ln>
-        </p:spPr>
-      </p:sp>
     </p:spTree>
   </p:cSld>
   <p:clrMapOvr>
@@ -4997,7 +5272,7 @@
             <a:blipFill>
               <a:blip r:embed="rId2"/>
               <a:stretch>
-                <a:fillRect l="-83" t="0" r="-83" b="0"/>
+                <a:fillRect l="-13358" t="0" r="-13358" b="0"/>
               </a:stretch>
             </a:blipFill>
           </p:spPr>
@@ -5055,7 +5330,7 @@
             <a:blipFill>
               <a:blip r:embed="rId3"/>
               <a:stretch>
-                <a:fillRect l="-83" t="0" r="-83" b="0"/>
+                <a:fillRect l="-22235" t="0" r="-22235" b="0"/>
               </a:stretch>
             </a:blipFill>
           </p:spPr>
@@ -5119,350 +5394,9 @@
           </p:spPr>
         </p:sp>
       </p:grpSp>
-      <p:grpSp>
-        <p:nvGrpSpPr>
-          <p:cNvPr name="Group 8" id="8"/>
-          <p:cNvGrpSpPr/>
-          <p:nvPr/>
-        </p:nvGrpSpPr>
-        <p:grpSpPr>
-          <a:xfrm rot="0">
-            <a:off x="668089" y="8366723"/>
-            <a:ext cx="5446961" cy="1253517"/>
-            <a:chOff x="0" y="0"/>
-            <a:chExt cx="7262615" cy="1671356"/>
-          </a:xfrm>
-        </p:grpSpPr>
-        <p:sp>
-          <p:nvSpPr>
-            <p:cNvPr name="TextBox 9" id="9"/>
-            <p:cNvSpPr txBox="true"/>
-            <p:nvPr/>
-          </p:nvSpPr>
-          <p:spPr>
-            <a:xfrm rot="0">
-              <a:off x="0" y="-47625"/>
-              <a:ext cx="7262615" cy="525145"/>
-            </a:xfrm>
-            <a:prstGeom prst="rect">
-              <a:avLst/>
-            </a:prstGeom>
-          </p:spPr>
-          <p:txBody>
-            <a:bodyPr anchor="t" rtlCol="false" tIns="0" lIns="0" bIns="0" rIns="0">
-              <a:spAutoFit/>
-            </a:bodyPr>
-            <a:lstStyle/>
-            <a:p>
-              <a:pPr algn="ctr" marL="0" indent="0" lvl="0">
-                <a:lnSpc>
-                  <a:spcPts val="3359"/>
-                </a:lnSpc>
-                <a:spcBef>
-                  <a:spcPct val="0"/>
-                </a:spcBef>
-              </a:pPr>
-              <a:r>
-                <a:rPr lang="en-US" b="true" sz="2400" strike="noStrike" u="none">
-                  <a:solidFill>
-                    <a:srgbClr val="E8EAF6"/>
-                  </a:solidFill>
-                  <a:latin typeface="Clear Sans Medium"/>
-                  <a:ea typeface="Clear Sans Medium"/>
-                  <a:cs typeface="Clear Sans Medium"/>
-                  <a:sym typeface="Clear Sans Medium"/>
-                </a:rPr>
-                <a:t>PHÂN TÍCH</a:t>
-              </a:r>
-            </a:p>
-          </p:txBody>
-        </p:sp>
-        <p:sp>
-          <p:nvSpPr>
-            <p:cNvPr name="TextBox 10" id="10"/>
-            <p:cNvSpPr txBox="true"/>
-            <p:nvPr/>
-          </p:nvSpPr>
-          <p:spPr>
-            <a:xfrm rot="0">
-              <a:off x="0" y="704251"/>
-              <a:ext cx="7262615" cy="967105"/>
-            </a:xfrm>
-            <a:prstGeom prst="rect">
-              <a:avLst/>
-            </a:prstGeom>
-          </p:spPr>
-          <p:txBody>
-            <a:bodyPr anchor="t" rtlCol="false" tIns="0" lIns="0" bIns="0" rIns="0">
-              <a:spAutoFit/>
-            </a:bodyPr>
-            <a:lstStyle/>
-            <a:p>
-              <a:pPr algn="ctr" marL="0" indent="0" lvl="0">
-                <a:lnSpc>
-                  <a:spcPts val="2940"/>
-                </a:lnSpc>
-              </a:pPr>
-              <a:r>
-                <a:rPr lang="en-US" sz="2100">
-                  <a:solidFill>
-                    <a:srgbClr val="BBDEFB"/>
-                  </a:solidFill>
-                  <a:latin typeface="Clear Sans"/>
-                  <a:ea typeface="Clear Sans"/>
-                  <a:cs typeface="Clear Sans"/>
-                  <a:sym typeface="Clear Sans"/>
-                </a:rPr>
-                <a:t>Giao diện trực quan cho dự đoán giá chứng khoán</a:t>
-              </a:r>
-            </a:p>
-          </p:txBody>
-        </p:sp>
-      </p:grpSp>
-      <p:grpSp>
-        <p:nvGrpSpPr>
-          <p:cNvPr name="Group 11" id="11"/>
-          <p:cNvGrpSpPr/>
-          <p:nvPr/>
-        </p:nvGrpSpPr>
-        <p:grpSpPr>
-          <a:xfrm rot="0">
-            <a:off x="6419850" y="8366723"/>
-            <a:ext cx="5448300" cy="882093"/>
-            <a:chOff x="0" y="0"/>
-            <a:chExt cx="7264400" cy="1176124"/>
-          </a:xfrm>
-        </p:grpSpPr>
-        <p:sp>
-          <p:nvSpPr>
-            <p:cNvPr name="TextBox 12" id="12"/>
-            <p:cNvSpPr txBox="true"/>
-            <p:nvPr/>
-          </p:nvSpPr>
-          <p:spPr>
-            <a:xfrm rot="0">
-              <a:off x="0" y="-47625"/>
-              <a:ext cx="7264400" cy="525145"/>
-            </a:xfrm>
-            <a:prstGeom prst="rect">
-              <a:avLst/>
-            </a:prstGeom>
-          </p:spPr>
-          <p:txBody>
-            <a:bodyPr anchor="t" rtlCol="false" tIns="0" lIns="0" bIns="0" rIns="0">
-              <a:spAutoFit/>
-            </a:bodyPr>
-            <a:lstStyle/>
-            <a:p>
-              <a:pPr algn="ctr" marL="0" indent="0" lvl="0">
-                <a:lnSpc>
-                  <a:spcPts val="3359"/>
-                </a:lnSpc>
-                <a:spcBef>
-                  <a:spcPct val="0"/>
-                </a:spcBef>
-              </a:pPr>
-              <a:r>
-                <a:rPr lang="en-US" b="true" sz="2400" strike="noStrike" u="none">
-                  <a:solidFill>
-                    <a:srgbClr val="E8EAF6"/>
-                  </a:solidFill>
-                  <a:latin typeface="Clear Sans Medium"/>
-                  <a:ea typeface="Clear Sans Medium"/>
-                  <a:cs typeface="Clear Sans Medium"/>
-                  <a:sym typeface="Clear Sans Medium"/>
-                </a:rPr>
-                <a:t>CHATBOT</a:t>
-              </a:r>
-            </a:p>
-          </p:txBody>
-        </p:sp>
-        <p:sp>
-          <p:nvSpPr>
-            <p:cNvPr name="TextBox 13" id="13"/>
-            <p:cNvSpPr txBox="true"/>
-            <p:nvPr/>
-          </p:nvSpPr>
-          <p:spPr>
-            <a:xfrm rot="0">
-              <a:off x="0" y="704319"/>
-              <a:ext cx="7264400" cy="471805"/>
-            </a:xfrm>
-            <a:prstGeom prst="rect">
-              <a:avLst/>
-            </a:prstGeom>
-          </p:spPr>
-          <p:txBody>
-            <a:bodyPr anchor="t" rtlCol="false" tIns="0" lIns="0" bIns="0" rIns="0">
-              <a:spAutoFit/>
-            </a:bodyPr>
-            <a:lstStyle/>
-            <a:p>
-              <a:pPr algn="ctr" marL="0" indent="0" lvl="0">
-                <a:lnSpc>
-                  <a:spcPts val="2940"/>
-                </a:lnSpc>
-              </a:pPr>
-              <a:r>
-                <a:rPr lang="en-US" sz="2100">
-                  <a:solidFill>
-                    <a:srgbClr val="BBDEFB"/>
-                  </a:solidFill>
-                  <a:latin typeface="Clear Sans"/>
-                  <a:ea typeface="Clear Sans"/>
-                  <a:cs typeface="Clear Sans"/>
-                  <a:sym typeface="Clear Sans"/>
-                </a:rPr>
-                <a:t>Hỗ trợ người dùng với tư vấn và hỏi đáp</a:t>
-              </a:r>
-            </a:p>
-          </p:txBody>
-        </p:sp>
-      </p:grpSp>
-      <p:grpSp>
-        <p:nvGrpSpPr>
-          <p:cNvPr name="Group 14" id="14"/>
-          <p:cNvGrpSpPr/>
-          <p:nvPr/>
-        </p:nvGrpSpPr>
-        <p:grpSpPr>
-          <a:xfrm rot="0">
-            <a:off x="12172950" y="8366774"/>
-            <a:ext cx="5448300" cy="1253466"/>
-            <a:chOff x="0" y="0"/>
-            <a:chExt cx="7264400" cy="1671288"/>
-          </a:xfrm>
-        </p:grpSpPr>
-        <p:sp>
-          <p:nvSpPr>
-            <p:cNvPr name="TextBox 15" id="15"/>
-            <p:cNvSpPr txBox="true"/>
-            <p:nvPr/>
-          </p:nvSpPr>
-          <p:spPr>
-            <a:xfrm rot="0">
-              <a:off x="0" y="-47625"/>
-              <a:ext cx="7264400" cy="525145"/>
-            </a:xfrm>
-            <a:prstGeom prst="rect">
-              <a:avLst/>
-            </a:prstGeom>
-          </p:spPr>
-          <p:txBody>
-            <a:bodyPr anchor="t" rtlCol="false" tIns="0" lIns="0" bIns="0" rIns="0">
-              <a:spAutoFit/>
-            </a:bodyPr>
-            <a:lstStyle/>
-            <a:p>
-              <a:pPr algn="ctr" marL="0" indent="0" lvl="0">
-                <a:lnSpc>
-                  <a:spcPts val="3359"/>
-                </a:lnSpc>
-                <a:spcBef>
-                  <a:spcPct val="0"/>
-                </a:spcBef>
-              </a:pPr>
-              <a:r>
-                <a:rPr lang="en-US" b="true" sz="2400" strike="noStrike" u="none">
-                  <a:solidFill>
-                    <a:srgbClr val="E8EAF6"/>
-                  </a:solidFill>
-                  <a:latin typeface="Clear Sans Medium"/>
-                  <a:ea typeface="Clear Sans Medium"/>
-                  <a:cs typeface="Clear Sans Medium"/>
-                  <a:sym typeface="Clear Sans Medium"/>
-                </a:rPr>
-                <a:t>TIN TỨC</a:t>
-              </a:r>
-            </a:p>
-          </p:txBody>
-        </p:sp>
-        <p:sp>
-          <p:nvSpPr>
-            <p:cNvPr name="TextBox 16" id="16"/>
-            <p:cNvSpPr txBox="true"/>
-            <p:nvPr/>
-          </p:nvSpPr>
-          <p:spPr>
-            <a:xfrm rot="0">
-              <a:off x="0" y="704183"/>
-              <a:ext cx="7264400" cy="967105"/>
-            </a:xfrm>
-            <a:prstGeom prst="rect">
-              <a:avLst/>
-            </a:prstGeom>
-          </p:spPr>
-          <p:txBody>
-            <a:bodyPr anchor="t" rtlCol="false" tIns="0" lIns="0" bIns="0" rIns="0">
-              <a:spAutoFit/>
-            </a:bodyPr>
-            <a:lstStyle/>
-            <a:p>
-              <a:pPr algn="ctr" marL="0" indent="0" lvl="0">
-                <a:lnSpc>
-                  <a:spcPts val="2940"/>
-                </a:lnSpc>
-              </a:pPr>
-              <a:r>
-                <a:rPr lang="en-US" sz="2100">
-                  <a:solidFill>
-                    <a:srgbClr val="BBDEFB"/>
-                  </a:solidFill>
-                  <a:latin typeface="Clear Sans"/>
-                  <a:ea typeface="Clear Sans"/>
-                  <a:cs typeface="Clear Sans"/>
-                  <a:sym typeface="Clear Sans"/>
-                </a:rPr>
-                <a:t>Tự động thu thập và phân tích tin tức thị trường</a:t>
-              </a:r>
-            </a:p>
-          </p:txBody>
-        </p:sp>
-      </p:grpSp>
-      <p:sp>
-        <p:nvSpPr>
-          <p:cNvPr name="TextBox 17" id="17"/>
-          <p:cNvSpPr txBox="true"/>
-          <p:nvPr/>
-        </p:nvSpPr>
-        <p:spPr>
-          <a:xfrm rot="0">
-            <a:off x="666750" y="1562100"/>
-            <a:ext cx="14077950" cy="2111895"/>
-          </a:xfrm>
-          <a:prstGeom prst="rect">
-            <a:avLst/>
-          </a:prstGeom>
-        </p:spPr>
-        <p:txBody>
-          <a:bodyPr anchor="t" rtlCol="false" tIns="0" lIns="0" bIns="0" rIns="0">
-            <a:spAutoFit/>
-          </a:bodyPr>
-          <a:lstStyle/>
-          <a:p>
-            <a:pPr algn="l" marL="0" indent="0" lvl="0">
-              <a:lnSpc>
-                <a:spcPts val="8399"/>
-              </a:lnSpc>
-            </a:pPr>
-            <a:r>
-              <a:rPr lang="en-US" sz="6999" spc="-139">
-                <a:solidFill>
-                  <a:srgbClr val="FFFFFF"/>
-                </a:solidFill>
-                <a:latin typeface="Tenor Sans"/>
-                <a:ea typeface="Tenor Sans"/>
-                <a:cs typeface="Tenor Sans"/>
-                <a:sym typeface="Tenor Sans"/>
-              </a:rPr>
-              <a:t>Giao diện và chức năng chính của hệ thống</a:t>
-            </a:r>
-          </a:p>
-        </p:txBody>
-      </p:sp>
-      <p:sp>
-        <p:nvSpPr>
-          <p:cNvPr name="Freeform 18" id="18"/>
+      <p:sp>
+        <p:nvSpPr>
+          <p:cNvPr name="Freeform 8" id="8"/>
           <p:cNvSpPr/>
           <p:nvPr/>
         </p:nvSpPr>
@@ -5516,6 +5450,347 @@
             <a:miter/>
           </a:ln>
         </p:spPr>
+      </p:sp>
+      <p:grpSp>
+        <p:nvGrpSpPr>
+          <p:cNvPr name="Group 9" id="9"/>
+          <p:cNvGrpSpPr/>
+          <p:nvPr/>
+        </p:nvGrpSpPr>
+        <p:grpSpPr>
+          <a:xfrm rot="0">
+            <a:off x="668089" y="8366723"/>
+            <a:ext cx="5446961" cy="1253517"/>
+            <a:chOff x="0" y="0"/>
+            <a:chExt cx="7262615" cy="1671356"/>
+          </a:xfrm>
+        </p:grpSpPr>
+        <p:sp>
+          <p:nvSpPr>
+            <p:cNvPr name="TextBox 10" id="10"/>
+            <p:cNvSpPr txBox="true"/>
+            <p:nvPr/>
+          </p:nvSpPr>
+          <p:spPr>
+            <a:xfrm rot="0">
+              <a:off x="0" y="-47625"/>
+              <a:ext cx="7262615" cy="525145"/>
+            </a:xfrm>
+            <a:prstGeom prst="rect">
+              <a:avLst/>
+            </a:prstGeom>
+          </p:spPr>
+          <p:txBody>
+            <a:bodyPr anchor="t" rtlCol="false" tIns="0" lIns="0" bIns="0" rIns="0">
+              <a:spAutoFit/>
+            </a:bodyPr>
+            <a:lstStyle/>
+            <a:p>
+              <a:pPr algn="ctr" marL="0" indent="0" lvl="0">
+                <a:lnSpc>
+                  <a:spcPts val="3359"/>
+                </a:lnSpc>
+                <a:spcBef>
+                  <a:spcPct val="0"/>
+                </a:spcBef>
+              </a:pPr>
+              <a:r>
+                <a:rPr lang="en-US" b="true" sz="2400" strike="noStrike" u="none">
+                  <a:solidFill>
+                    <a:srgbClr val="E8EAF6"/>
+                  </a:solidFill>
+                  <a:latin typeface="Clear Sans Medium"/>
+                  <a:ea typeface="Clear Sans Medium"/>
+                  <a:cs typeface="Clear Sans Medium"/>
+                  <a:sym typeface="Clear Sans Medium"/>
+                </a:rPr>
+                <a:t>PHÂN TÍCH</a:t>
+              </a:r>
+            </a:p>
+          </p:txBody>
+        </p:sp>
+        <p:sp>
+          <p:nvSpPr>
+            <p:cNvPr name="TextBox 11" id="11"/>
+            <p:cNvSpPr txBox="true"/>
+            <p:nvPr/>
+          </p:nvSpPr>
+          <p:spPr>
+            <a:xfrm rot="0">
+              <a:off x="0" y="704251"/>
+              <a:ext cx="7262615" cy="967105"/>
+            </a:xfrm>
+            <a:prstGeom prst="rect">
+              <a:avLst/>
+            </a:prstGeom>
+          </p:spPr>
+          <p:txBody>
+            <a:bodyPr anchor="t" rtlCol="false" tIns="0" lIns="0" bIns="0" rIns="0">
+              <a:spAutoFit/>
+            </a:bodyPr>
+            <a:lstStyle/>
+            <a:p>
+              <a:pPr algn="ctr" marL="0" indent="0" lvl="0">
+                <a:lnSpc>
+                  <a:spcPts val="2940"/>
+                </a:lnSpc>
+              </a:pPr>
+              <a:r>
+                <a:rPr lang="en-US" sz="2100">
+                  <a:solidFill>
+                    <a:srgbClr val="BBDEFB"/>
+                  </a:solidFill>
+                  <a:latin typeface="Clear Sans"/>
+                  <a:ea typeface="Clear Sans"/>
+                  <a:cs typeface="Clear Sans"/>
+                  <a:sym typeface="Clear Sans"/>
+                </a:rPr>
+                <a:t>Giao diện trực quan cho dự đoán giá chứng khoán</a:t>
+              </a:r>
+            </a:p>
+          </p:txBody>
+        </p:sp>
+      </p:grpSp>
+      <p:grpSp>
+        <p:nvGrpSpPr>
+          <p:cNvPr name="Group 12" id="12"/>
+          <p:cNvGrpSpPr/>
+          <p:nvPr/>
+        </p:nvGrpSpPr>
+        <p:grpSpPr>
+          <a:xfrm rot="0">
+            <a:off x="6419850" y="8366723"/>
+            <a:ext cx="5448300" cy="882093"/>
+            <a:chOff x="0" y="0"/>
+            <a:chExt cx="7264400" cy="1176124"/>
+          </a:xfrm>
+        </p:grpSpPr>
+        <p:sp>
+          <p:nvSpPr>
+            <p:cNvPr name="TextBox 13" id="13"/>
+            <p:cNvSpPr txBox="true"/>
+            <p:nvPr/>
+          </p:nvSpPr>
+          <p:spPr>
+            <a:xfrm rot="0">
+              <a:off x="0" y="-47625"/>
+              <a:ext cx="7264400" cy="525145"/>
+            </a:xfrm>
+            <a:prstGeom prst="rect">
+              <a:avLst/>
+            </a:prstGeom>
+          </p:spPr>
+          <p:txBody>
+            <a:bodyPr anchor="t" rtlCol="false" tIns="0" lIns="0" bIns="0" rIns="0">
+              <a:spAutoFit/>
+            </a:bodyPr>
+            <a:lstStyle/>
+            <a:p>
+              <a:pPr algn="ctr" marL="0" indent="0" lvl="0">
+                <a:lnSpc>
+                  <a:spcPts val="3359"/>
+                </a:lnSpc>
+                <a:spcBef>
+                  <a:spcPct val="0"/>
+                </a:spcBef>
+              </a:pPr>
+              <a:r>
+                <a:rPr lang="en-US" b="true" sz="2400" strike="noStrike" u="none">
+                  <a:solidFill>
+                    <a:srgbClr val="E8EAF6"/>
+                  </a:solidFill>
+                  <a:latin typeface="Clear Sans Medium"/>
+                  <a:ea typeface="Clear Sans Medium"/>
+                  <a:cs typeface="Clear Sans Medium"/>
+                  <a:sym typeface="Clear Sans Medium"/>
+                </a:rPr>
+                <a:t>CHATBOT</a:t>
+              </a:r>
+            </a:p>
+          </p:txBody>
+        </p:sp>
+        <p:sp>
+          <p:nvSpPr>
+            <p:cNvPr name="TextBox 14" id="14"/>
+            <p:cNvSpPr txBox="true"/>
+            <p:nvPr/>
+          </p:nvSpPr>
+          <p:spPr>
+            <a:xfrm rot="0">
+              <a:off x="0" y="704319"/>
+              <a:ext cx="7264400" cy="471805"/>
+            </a:xfrm>
+            <a:prstGeom prst="rect">
+              <a:avLst/>
+            </a:prstGeom>
+          </p:spPr>
+          <p:txBody>
+            <a:bodyPr anchor="t" rtlCol="false" tIns="0" lIns="0" bIns="0" rIns="0">
+              <a:spAutoFit/>
+            </a:bodyPr>
+            <a:lstStyle/>
+            <a:p>
+              <a:pPr algn="ctr" marL="0" indent="0" lvl="0">
+                <a:lnSpc>
+                  <a:spcPts val="2940"/>
+                </a:lnSpc>
+              </a:pPr>
+              <a:r>
+                <a:rPr lang="en-US" sz="2100">
+                  <a:solidFill>
+                    <a:srgbClr val="BBDEFB"/>
+                  </a:solidFill>
+                  <a:latin typeface="Clear Sans"/>
+                  <a:ea typeface="Clear Sans"/>
+                  <a:cs typeface="Clear Sans"/>
+                  <a:sym typeface="Clear Sans"/>
+                </a:rPr>
+                <a:t>Hỗ trợ người dùng với tư vấn và hỏi đáp</a:t>
+              </a:r>
+            </a:p>
+          </p:txBody>
+        </p:sp>
+      </p:grpSp>
+      <p:grpSp>
+        <p:nvGrpSpPr>
+          <p:cNvPr name="Group 15" id="15"/>
+          <p:cNvGrpSpPr/>
+          <p:nvPr/>
+        </p:nvGrpSpPr>
+        <p:grpSpPr>
+          <a:xfrm rot="0">
+            <a:off x="12172950" y="8366774"/>
+            <a:ext cx="5448300" cy="1253466"/>
+            <a:chOff x="0" y="0"/>
+            <a:chExt cx="7264400" cy="1671288"/>
+          </a:xfrm>
+        </p:grpSpPr>
+        <p:sp>
+          <p:nvSpPr>
+            <p:cNvPr name="TextBox 16" id="16"/>
+            <p:cNvSpPr txBox="true"/>
+            <p:nvPr/>
+          </p:nvSpPr>
+          <p:spPr>
+            <a:xfrm rot="0">
+              <a:off x="0" y="-47625"/>
+              <a:ext cx="7264400" cy="525145"/>
+            </a:xfrm>
+            <a:prstGeom prst="rect">
+              <a:avLst/>
+            </a:prstGeom>
+          </p:spPr>
+          <p:txBody>
+            <a:bodyPr anchor="t" rtlCol="false" tIns="0" lIns="0" bIns="0" rIns="0">
+              <a:spAutoFit/>
+            </a:bodyPr>
+            <a:lstStyle/>
+            <a:p>
+              <a:pPr algn="ctr" marL="0" indent="0" lvl="0">
+                <a:lnSpc>
+                  <a:spcPts val="3359"/>
+                </a:lnSpc>
+                <a:spcBef>
+                  <a:spcPct val="0"/>
+                </a:spcBef>
+              </a:pPr>
+              <a:r>
+                <a:rPr lang="en-US" b="true" sz="2400" strike="noStrike" u="none">
+                  <a:solidFill>
+                    <a:srgbClr val="E8EAF6"/>
+                  </a:solidFill>
+                  <a:latin typeface="Clear Sans Medium"/>
+                  <a:ea typeface="Clear Sans Medium"/>
+                  <a:cs typeface="Clear Sans Medium"/>
+                  <a:sym typeface="Clear Sans Medium"/>
+                </a:rPr>
+                <a:t>TIN TỨC</a:t>
+              </a:r>
+            </a:p>
+          </p:txBody>
+        </p:sp>
+        <p:sp>
+          <p:nvSpPr>
+            <p:cNvPr name="TextBox 17" id="17"/>
+            <p:cNvSpPr txBox="true"/>
+            <p:nvPr/>
+          </p:nvSpPr>
+          <p:spPr>
+            <a:xfrm rot="0">
+              <a:off x="0" y="704183"/>
+              <a:ext cx="7264400" cy="967105"/>
+            </a:xfrm>
+            <a:prstGeom prst="rect">
+              <a:avLst/>
+            </a:prstGeom>
+          </p:spPr>
+          <p:txBody>
+            <a:bodyPr anchor="t" rtlCol="false" tIns="0" lIns="0" bIns="0" rIns="0">
+              <a:spAutoFit/>
+            </a:bodyPr>
+            <a:lstStyle/>
+            <a:p>
+              <a:pPr algn="ctr" marL="0" indent="0" lvl="0">
+                <a:lnSpc>
+                  <a:spcPts val="2940"/>
+                </a:lnSpc>
+              </a:pPr>
+              <a:r>
+                <a:rPr lang="en-US" sz="2100">
+                  <a:solidFill>
+                    <a:srgbClr val="BBDEFB"/>
+                  </a:solidFill>
+                  <a:latin typeface="Clear Sans"/>
+                  <a:ea typeface="Clear Sans"/>
+                  <a:cs typeface="Clear Sans"/>
+                  <a:sym typeface="Clear Sans"/>
+                </a:rPr>
+                <a:t>Tự động thu thập và phân tích tin tức thị trường</a:t>
+              </a:r>
+            </a:p>
+          </p:txBody>
+        </p:sp>
+      </p:grpSp>
+      <p:sp>
+        <p:nvSpPr>
+          <p:cNvPr name="TextBox 18" id="18"/>
+          <p:cNvSpPr txBox="true"/>
+          <p:nvPr/>
+        </p:nvSpPr>
+        <p:spPr>
+          <a:xfrm rot="0">
+            <a:off x="666750" y="1562100"/>
+            <a:ext cx="14077950" cy="2111895"/>
+          </a:xfrm>
+          <a:prstGeom prst="rect">
+            <a:avLst/>
+          </a:prstGeom>
+        </p:spPr>
+        <p:txBody>
+          <a:bodyPr anchor="t" rtlCol="false" tIns="0" lIns="0" bIns="0" rIns="0">
+            <a:spAutoFit/>
+          </a:bodyPr>
+          <a:lstStyle/>
+          <a:p>
+            <a:pPr algn="l" marL="0" indent="0" lvl="0">
+              <a:lnSpc>
+                <a:spcPts val="8399"/>
+              </a:lnSpc>
+            </a:pPr>
+            <a:r>
+              <a:rPr lang="en-US" sz="6999" spc="-139">
+                <a:solidFill>
+                  <a:srgbClr val="FFFFFF"/>
+                </a:solidFill>
+                <a:latin typeface="Tenor Sans"/>
+                <a:ea typeface="Tenor Sans"/>
+                <a:cs typeface="Tenor Sans"/>
+                <a:sym typeface="Tenor Sans"/>
+              </a:rPr>
+              <a:t>Giao diện và chức năng chính của hệ thống</a:t>
+            </a:r>
+          </a:p>
+        </p:txBody>
       </p:sp>
     </p:spTree>
   </p:cSld>
@@ -5607,15 +5882,61 @@
           </p:spPr>
         </p:sp>
       </p:grpSp>
+      <p:sp>
+        <p:nvSpPr>
+          <p:cNvPr name="Freeform 4" id="4"/>
+          <p:cNvSpPr/>
+          <p:nvPr/>
+        </p:nvSpPr>
+        <p:spPr>
+          <a:xfrm flipH="false" flipV="false" rot="0">
+            <a:off x="180975" y="4989193"/>
+            <a:ext cx="10648068" cy="5297807"/>
+          </a:xfrm>
+          <a:custGeom>
+            <a:avLst/>
+            <a:gdLst/>
+            <a:ahLst/>
+            <a:cxnLst/>
+            <a:rect r="r" b="b" t="t" l="l"/>
+            <a:pathLst>
+              <a:path h="5297807" w="10648068">
+                <a:moveTo>
+                  <a:pt x="0" y="0"/>
+                </a:moveTo>
+                <a:lnTo>
+                  <a:pt x="10648068" y="0"/>
+                </a:lnTo>
+                <a:lnTo>
+                  <a:pt x="10648068" y="5297807"/>
+                </a:lnTo>
+                <a:lnTo>
+                  <a:pt x="0" y="5297807"/>
+                </a:lnTo>
+                <a:lnTo>
+                  <a:pt x="0" y="0"/>
+                </a:lnTo>
+                <a:close/>
+              </a:path>
+            </a:pathLst>
+          </a:custGeom>
+          <a:blipFill>
+            <a:blip r:embed="rId3"/>
+            <a:stretch>
+              <a:fillRect l="0" t="0" r="0" b="0"/>
+            </a:stretch>
+          </a:blipFill>
+        </p:spPr>
+      </p:sp>
       <p:grpSp>
         <p:nvGrpSpPr>
-          <p:cNvPr name="Group 4" id="4"/>
+          <p:cNvPr name="Group 5" id="5"/>
           <p:cNvGrpSpPr/>
           <p:nvPr/>
         </p:nvGrpSpPr>
         <p:grpSpPr>
           <a:xfrm rot="0">
-            <a:off x="666750" y="1562100"/>
+            <a:off x="180975" y="447675"/>
             <a:ext cx="9763125" cy="4102836"/>
             <a:chOff x="0" y="0"/>
             <a:chExt cx="13017500" cy="5470448"/>
@@ -5623,7 +5944,7 @@
         </p:grpSpPr>
         <p:sp>
           <p:nvSpPr>
-            <p:cNvPr name="TextBox 5" id="5"/>
+            <p:cNvPr name="TextBox 6" id="6"/>
             <p:cNvSpPr txBox="true"/>
             <p:nvPr/>
           </p:nvSpPr>
@@ -5667,7 +5988,7 @@
         </p:sp>
         <p:sp>
           <p:nvSpPr>
-            <p:cNvPr name="TextBox 6" id="6"/>
+            <p:cNvPr name="TextBox 7" id="7"/>
             <p:cNvSpPr txBox="true"/>
             <p:nvPr/>
           </p:nvSpPr>
@@ -5711,7 +6032,7 @@
         </p:sp>
         <p:sp>
           <p:nvSpPr>
-            <p:cNvPr name="TextBox 7" id="7"/>
+            <p:cNvPr name="TextBox 8" id="8"/>
             <p:cNvSpPr txBox="true"/>
             <p:nvPr/>
           </p:nvSpPr>
@@ -5785,239 +6106,7 @@
       </p:grpSpPr>
       <p:sp>
         <p:nvSpPr>
-          <p:cNvPr name="TextBox 2" id="2"/>
-          <p:cNvSpPr txBox="true"/>
-          <p:nvPr/>
-        </p:nvSpPr>
-        <p:spPr>
-          <a:xfrm rot="0">
-            <a:off x="666750" y="1562086"/>
-            <a:ext cx="8324850" cy="2114550"/>
-          </a:xfrm>
-          <a:prstGeom prst="rect">
-            <a:avLst/>
-          </a:prstGeom>
-        </p:spPr>
-        <p:txBody>
-          <a:bodyPr anchor="t" rtlCol="false" tIns="0" lIns="0" bIns="0" rIns="0">
-            <a:spAutoFit/>
-          </a:bodyPr>
-          <a:lstStyle/>
-          <a:p>
-            <a:pPr algn="l" marL="0" indent="0" lvl="0">
-              <a:lnSpc>
-                <a:spcPts val="8399"/>
-              </a:lnSpc>
-            </a:pPr>
-            <a:r>
-              <a:rPr lang="en-US" sz="6999" spc="-139">
-                <a:solidFill>
-                  <a:srgbClr val="FFFFFF"/>
-                </a:solidFill>
-                <a:latin typeface="Tenor Sans"/>
-                <a:ea typeface="Tenor Sans"/>
-                <a:cs typeface="Tenor Sans"/>
-                <a:sym typeface="Tenor Sans"/>
-              </a:rPr>
-              <a:t>Hạn chế và Hướng phát triển</a:t>
-            </a:r>
-          </a:p>
-        </p:txBody>
-      </p:sp>
-      <p:grpSp>
-        <p:nvGrpSpPr>
-          <p:cNvPr name="Group 3" id="3"/>
-          <p:cNvGrpSpPr/>
-          <p:nvPr/>
-        </p:nvGrpSpPr>
-        <p:grpSpPr>
-          <a:xfrm rot="0">
-            <a:off x="10734675" y="3352794"/>
-            <a:ext cx="5448300" cy="4797448"/>
-            <a:chOff x="0" y="0"/>
-            <a:chExt cx="7264400" cy="6396598"/>
-          </a:xfrm>
-        </p:grpSpPr>
-        <p:sp>
-          <p:nvSpPr>
-            <p:cNvPr name="TextBox 4" id="4"/>
-            <p:cNvSpPr txBox="true"/>
-            <p:nvPr/>
-          </p:nvSpPr>
-          <p:spPr>
-            <a:xfrm rot="0">
-              <a:off x="0" y="-47625"/>
-              <a:ext cx="7264400" cy="530032"/>
-            </a:xfrm>
-            <a:prstGeom prst="rect">
-              <a:avLst/>
-            </a:prstGeom>
-          </p:spPr>
-          <p:txBody>
-            <a:bodyPr anchor="t" rtlCol="false" tIns="0" lIns="0" bIns="0" rIns="0">
-              <a:spAutoFit/>
-            </a:bodyPr>
-            <a:lstStyle/>
-            <a:p>
-              <a:pPr algn="l" marL="0" indent="0" lvl="0">
-                <a:lnSpc>
-                  <a:spcPts val="3360"/>
-                </a:lnSpc>
-                <a:spcBef>
-                  <a:spcPct val="0"/>
-                </a:spcBef>
-              </a:pPr>
-              <a:r>
-                <a:rPr lang="en-US" b="true" sz="2400">
-                  <a:solidFill>
-                    <a:srgbClr val="C5CAE9"/>
-                  </a:solidFill>
-                  <a:latin typeface="Clear Sans Medium"/>
-                  <a:ea typeface="Clear Sans Medium"/>
-                  <a:cs typeface="Clear Sans Medium"/>
-                  <a:sym typeface="Clear Sans Medium"/>
-                </a:rPr>
-                <a:t>NÂNG CẤP MÔ HÌNH AI</a:t>
-              </a:r>
-            </a:p>
-          </p:txBody>
-        </p:sp>
-        <p:sp>
-          <p:nvSpPr>
-            <p:cNvPr name="TextBox 5" id="5"/>
-            <p:cNvSpPr txBox="true"/>
-            <p:nvPr/>
-          </p:nvSpPr>
-          <p:spPr>
-            <a:xfrm rot="0">
-              <a:off x="0" y="878058"/>
-              <a:ext cx="7264400" cy="1446994"/>
-            </a:xfrm>
-            <a:prstGeom prst="rect">
-              <a:avLst/>
-            </a:prstGeom>
-          </p:spPr>
-          <p:txBody>
-            <a:bodyPr anchor="t" rtlCol="false" tIns="0" lIns="0" bIns="0" rIns="0">
-              <a:spAutoFit/>
-            </a:bodyPr>
-            <a:lstStyle/>
-            <a:p>
-              <a:pPr algn="l" marL="0" indent="0" lvl="0">
-                <a:lnSpc>
-                  <a:spcPts val="2939"/>
-                </a:lnSpc>
-                <a:spcBef>
-                  <a:spcPct val="0"/>
-                </a:spcBef>
-              </a:pPr>
-              <a:r>
-                <a:rPr lang="en-US" sz="2099">
-                  <a:solidFill>
-                    <a:srgbClr val="BBDEFB"/>
-                  </a:solidFill>
-                  <a:latin typeface="Clear Sans"/>
-                  <a:ea typeface="Clear Sans"/>
-                  <a:cs typeface="Clear Sans"/>
-                  <a:sym typeface="Clear Sans"/>
-                </a:rPr>
-                <a:t>Để nâng cao độ chính xác, cần cải tiến mô hình AI hiện tại bằng cách áp dụng công nghệ mới như Transformer.</a:t>
-              </a:r>
-            </a:p>
-          </p:txBody>
-        </p:sp>
-        <p:sp>
-          <p:nvSpPr>
-            <p:cNvPr name="TextBox 6" id="6"/>
-            <p:cNvSpPr txBox="true"/>
-            <p:nvPr/>
-          </p:nvSpPr>
-          <p:spPr>
-            <a:xfrm rot="0">
-              <a:off x="0" y="3533758"/>
-              <a:ext cx="7264400" cy="530032"/>
-            </a:xfrm>
-            <a:prstGeom prst="rect">
-              <a:avLst/>
-            </a:prstGeom>
-          </p:spPr>
-          <p:txBody>
-            <a:bodyPr anchor="t" rtlCol="false" tIns="0" lIns="0" bIns="0" rIns="0">
-              <a:spAutoFit/>
-            </a:bodyPr>
-            <a:lstStyle/>
-            <a:p>
-              <a:pPr algn="l" marL="0" indent="0" lvl="0">
-                <a:lnSpc>
-                  <a:spcPts val="3360"/>
-                </a:lnSpc>
-                <a:spcBef>
-                  <a:spcPct val="0"/>
-                </a:spcBef>
-              </a:pPr>
-              <a:r>
-                <a:rPr lang="en-US" b="true" sz="2400">
-                  <a:solidFill>
-                    <a:srgbClr val="C5CAE9"/>
-                  </a:solidFill>
-                  <a:latin typeface="Clear Sans Medium"/>
-                  <a:ea typeface="Clear Sans Medium"/>
-                  <a:cs typeface="Clear Sans Medium"/>
-                  <a:sym typeface="Clear Sans Medium"/>
-                </a:rPr>
-                <a:t>PHÁT TRIỂN MOBILE APP</a:t>
-              </a:r>
-            </a:p>
-          </p:txBody>
-        </p:sp>
-        <p:sp>
-          <p:nvSpPr>
-            <p:cNvPr name="TextBox 7" id="7"/>
-            <p:cNvSpPr txBox="true"/>
-            <p:nvPr/>
-          </p:nvSpPr>
-          <p:spPr>
-            <a:xfrm rot="0">
-              <a:off x="0" y="4459440"/>
-              <a:ext cx="7264400" cy="1937157"/>
-            </a:xfrm>
-            <a:prstGeom prst="rect">
-              <a:avLst/>
-            </a:prstGeom>
-          </p:spPr>
-          <p:txBody>
-            <a:bodyPr anchor="t" rtlCol="false" tIns="0" lIns="0" bIns="0" rIns="0">
-              <a:spAutoFit/>
-            </a:bodyPr>
-            <a:lstStyle/>
-            <a:p>
-              <a:pPr algn="l" marL="0" indent="0" lvl="0">
-                <a:lnSpc>
-                  <a:spcPts val="2939"/>
-                </a:lnSpc>
-                <a:spcBef>
-                  <a:spcPct val="0"/>
-                </a:spcBef>
-              </a:pPr>
-              <a:r>
-                <a:rPr lang="en-US" sz="2099">
-                  <a:solidFill>
-                    <a:srgbClr val="BBDEFB"/>
-                  </a:solidFill>
-                  <a:latin typeface="Clear Sans"/>
-                  <a:ea typeface="Clear Sans"/>
-                  <a:cs typeface="Clear Sans"/>
-                  <a:sym typeface="Clear Sans"/>
-                </a:rPr>
-                <a:t>Việc phát triển ứng dụng di động sẽ giúp người dùng dễ dàng tiếp cận thông tin và tích hợp API với sàn giao dịch để thuận tiện hơn.</a:t>
-              </a:r>
-            </a:p>
-          </p:txBody>
-        </p:sp>
-      </p:grpSp>
-      <p:sp>
-        <p:nvSpPr>
-          <p:cNvPr name="Freeform 8" id="8"/>
+          <p:cNvPr name="Freeform 2" id="2"/>
           <p:cNvSpPr/>
           <p:nvPr/>
         </p:nvSpPr>
@@ -6072,6 +6161,284 @@
           </a:ln>
         </p:spPr>
       </p:sp>
+      <p:sp>
+        <p:nvSpPr>
+          <p:cNvPr name="Freeform 3" id="3"/>
+          <p:cNvSpPr/>
+          <p:nvPr/>
+        </p:nvSpPr>
+        <p:spPr>
+          <a:xfrm flipH="false" flipV="false" rot="0">
+            <a:off x="350121" y="4025622"/>
+            <a:ext cx="11301259" cy="5664756"/>
+          </a:xfrm>
+          <a:custGeom>
+            <a:avLst/>
+            <a:gdLst/>
+            <a:ahLst/>
+            <a:cxnLst/>
+            <a:rect r="r" b="b" t="t" l="l"/>
+            <a:pathLst>
+              <a:path h="5664756" w="11301259">
+                <a:moveTo>
+                  <a:pt x="0" y="0"/>
+                </a:moveTo>
+                <a:lnTo>
+                  <a:pt x="11301258" y="0"/>
+                </a:lnTo>
+                <a:lnTo>
+                  <a:pt x="11301258" y="5664756"/>
+                </a:lnTo>
+                <a:lnTo>
+                  <a:pt x="0" y="5664756"/>
+                </a:lnTo>
+                <a:lnTo>
+                  <a:pt x="0" y="0"/>
+                </a:lnTo>
+                <a:close/>
+              </a:path>
+            </a:pathLst>
+          </a:custGeom>
+          <a:blipFill>
+            <a:blip r:embed="rId4"/>
+            <a:stretch>
+              <a:fillRect l="0" t="0" r="0" b="0"/>
+            </a:stretch>
+          </a:blipFill>
+        </p:spPr>
+      </p:sp>
+      <p:sp>
+        <p:nvSpPr>
+          <p:cNvPr name="TextBox 4" id="4"/>
+          <p:cNvSpPr txBox="true"/>
+          <p:nvPr/>
+        </p:nvSpPr>
+        <p:spPr>
+          <a:xfrm rot="0">
+            <a:off x="666750" y="1562086"/>
+            <a:ext cx="8324850" cy="2114550"/>
+          </a:xfrm>
+          <a:prstGeom prst="rect">
+            <a:avLst/>
+          </a:prstGeom>
+        </p:spPr>
+        <p:txBody>
+          <a:bodyPr anchor="t" rtlCol="false" tIns="0" lIns="0" bIns="0" rIns="0">
+            <a:spAutoFit/>
+          </a:bodyPr>
+          <a:lstStyle/>
+          <a:p>
+            <a:pPr algn="l" marL="0" indent="0" lvl="0">
+              <a:lnSpc>
+                <a:spcPts val="8399"/>
+              </a:lnSpc>
+            </a:pPr>
+            <a:r>
+              <a:rPr lang="en-US" sz="6999" spc="-139">
+                <a:solidFill>
+                  <a:srgbClr val="FFFFFF"/>
+                </a:solidFill>
+                <a:latin typeface="Tenor Sans"/>
+                <a:ea typeface="Tenor Sans"/>
+                <a:cs typeface="Tenor Sans"/>
+                <a:sym typeface="Tenor Sans"/>
+              </a:rPr>
+              <a:t>Hạn chế và Hướng phát triển</a:t>
+            </a:r>
+          </a:p>
+        </p:txBody>
+      </p:sp>
+      <p:grpSp>
+        <p:nvGrpSpPr>
+          <p:cNvPr name="Group 5" id="5"/>
+          <p:cNvGrpSpPr/>
+          <p:nvPr/>
+        </p:nvGrpSpPr>
+        <p:grpSpPr>
+          <a:xfrm rot="0">
+            <a:off x="12220575" y="4267194"/>
+            <a:ext cx="5448300" cy="4797448"/>
+            <a:chOff x="0" y="0"/>
+            <a:chExt cx="7264400" cy="6396598"/>
+          </a:xfrm>
+        </p:grpSpPr>
+        <p:sp>
+          <p:nvSpPr>
+            <p:cNvPr name="TextBox 6" id="6"/>
+            <p:cNvSpPr txBox="true"/>
+            <p:nvPr/>
+          </p:nvSpPr>
+          <p:spPr>
+            <a:xfrm rot="0">
+              <a:off x="0" y="-47625"/>
+              <a:ext cx="7264400" cy="530032"/>
+            </a:xfrm>
+            <a:prstGeom prst="rect">
+              <a:avLst/>
+            </a:prstGeom>
+          </p:spPr>
+          <p:txBody>
+            <a:bodyPr anchor="t" rtlCol="false" tIns="0" lIns="0" bIns="0" rIns="0">
+              <a:spAutoFit/>
+            </a:bodyPr>
+            <a:lstStyle/>
+            <a:p>
+              <a:pPr algn="l" marL="0" indent="0" lvl="0">
+                <a:lnSpc>
+                  <a:spcPts val="3360"/>
+                </a:lnSpc>
+                <a:spcBef>
+                  <a:spcPct val="0"/>
+                </a:spcBef>
+              </a:pPr>
+              <a:r>
+                <a:rPr lang="en-US" b="true" sz="2400">
+                  <a:solidFill>
+                    <a:srgbClr val="C5CAE9"/>
+                  </a:solidFill>
+                  <a:latin typeface="Clear Sans Medium"/>
+                  <a:ea typeface="Clear Sans Medium"/>
+                  <a:cs typeface="Clear Sans Medium"/>
+                  <a:sym typeface="Clear Sans Medium"/>
+                </a:rPr>
+                <a:t>NÂNG CẤP MÔ HÌNH AI</a:t>
+              </a:r>
+            </a:p>
+          </p:txBody>
+        </p:sp>
+        <p:sp>
+          <p:nvSpPr>
+            <p:cNvPr name="TextBox 7" id="7"/>
+            <p:cNvSpPr txBox="true"/>
+            <p:nvPr/>
+          </p:nvSpPr>
+          <p:spPr>
+            <a:xfrm rot="0">
+              <a:off x="0" y="878058"/>
+              <a:ext cx="7264400" cy="1446994"/>
+            </a:xfrm>
+            <a:prstGeom prst="rect">
+              <a:avLst/>
+            </a:prstGeom>
+          </p:spPr>
+          <p:txBody>
+            <a:bodyPr anchor="t" rtlCol="false" tIns="0" lIns="0" bIns="0" rIns="0">
+              <a:spAutoFit/>
+            </a:bodyPr>
+            <a:lstStyle/>
+            <a:p>
+              <a:pPr algn="l" marL="0" indent="0" lvl="0">
+                <a:lnSpc>
+                  <a:spcPts val="2939"/>
+                </a:lnSpc>
+                <a:spcBef>
+                  <a:spcPct val="0"/>
+                </a:spcBef>
+              </a:pPr>
+              <a:r>
+                <a:rPr lang="en-US" sz="2099">
+                  <a:solidFill>
+                    <a:srgbClr val="BBDEFB"/>
+                  </a:solidFill>
+                  <a:latin typeface="Clear Sans"/>
+                  <a:ea typeface="Clear Sans"/>
+                  <a:cs typeface="Clear Sans"/>
+                  <a:sym typeface="Clear Sans"/>
+                </a:rPr>
+                <a:t>Để nâng cao độ chính xác, cần cải tiến mô hình AI hiện tại bằng cách áp dụng công nghệ mới như Transformer.</a:t>
+              </a:r>
+            </a:p>
+          </p:txBody>
+        </p:sp>
+        <p:sp>
+          <p:nvSpPr>
+            <p:cNvPr name="TextBox 8" id="8"/>
+            <p:cNvSpPr txBox="true"/>
+            <p:nvPr/>
+          </p:nvSpPr>
+          <p:spPr>
+            <a:xfrm rot="0">
+              <a:off x="0" y="3533758"/>
+              <a:ext cx="7264400" cy="530032"/>
+            </a:xfrm>
+            <a:prstGeom prst="rect">
+              <a:avLst/>
+            </a:prstGeom>
+          </p:spPr>
+          <p:txBody>
+            <a:bodyPr anchor="t" rtlCol="false" tIns="0" lIns="0" bIns="0" rIns="0">
+              <a:spAutoFit/>
+            </a:bodyPr>
+            <a:lstStyle/>
+            <a:p>
+              <a:pPr algn="l" marL="0" indent="0" lvl="0">
+                <a:lnSpc>
+                  <a:spcPts val="3360"/>
+                </a:lnSpc>
+                <a:spcBef>
+                  <a:spcPct val="0"/>
+                </a:spcBef>
+              </a:pPr>
+              <a:r>
+                <a:rPr lang="en-US" b="true" sz="2400">
+                  <a:solidFill>
+                    <a:srgbClr val="C5CAE9"/>
+                  </a:solidFill>
+                  <a:latin typeface="Clear Sans Medium"/>
+                  <a:ea typeface="Clear Sans Medium"/>
+                  <a:cs typeface="Clear Sans Medium"/>
+                  <a:sym typeface="Clear Sans Medium"/>
+                </a:rPr>
+                <a:t>PHÁT TRIỂN MOBILE APP</a:t>
+              </a:r>
+            </a:p>
+          </p:txBody>
+        </p:sp>
+        <p:sp>
+          <p:nvSpPr>
+            <p:cNvPr name="TextBox 9" id="9"/>
+            <p:cNvSpPr txBox="true"/>
+            <p:nvPr/>
+          </p:nvSpPr>
+          <p:spPr>
+            <a:xfrm rot="0">
+              <a:off x="0" y="4459440"/>
+              <a:ext cx="7264400" cy="1937157"/>
+            </a:xfrm>
+            <a:prstGeom prst="rect">
+              <a:avLst/>
+            </a:prstGeom>
+          </p:spPr>
+          <p:txBody>
+            <a:bodyPr anchor="t" rtlCol="false" tIns="0" lIns="0" bIns="0" rIns="0">
+              <a:spAutoFit/>
+            </a:bodyPr>
+            <a:lstStyle/>
+            <a:p>
+              <a:pPr algn="l" marL="0" indent="0" lvl="0">
+                <a:lnSpc>
+                  <a:spcPts val="2939"/>
+                </a:lnSpc>
+                <a:spcBef>
+                  <a:spcPct val="0"/>
+                </a:spcBef>
+              </a:pPr>
+              <a:r>
+                <a:rPr lang="en-US" sz="2099">
+                  <a:solidFill>
+                    <a:srgbClr val="BBDEFB"/>
+                  </a:solidFill>
+                  <a:latin typeface="Clear Sans"/>
+                  <a:ea typeface="Clear Sans"/>
+                  <a:cs typeface="Clear Sans"/>
+                  <a:sym typeface="Clear Sans"/>
+                </a:rPr>
+                <a:t>Việc phát triển ứng dụng di động sẽ giúp người dùng dễ dàng tiếp cận thông tin và tích hợp API với sàn giao dịch để thuận tiện hơn.</a:t>
+              </a:r>
+            </a:p>
+          </p:txBody>
+        </p:sp>
+      </p:grpSp>
     </p:spTree>
   </p:cSld>
   <p:clrMapOvr>
@@ -6222,7 +6589,7 @@
         <p:spPr>
           <a:xfrm rot="0">
             <a:off x="666750" y="1562100"/>
-            <a:ext cx="11201400" cy="2114550"/>
+            <a:ext cx="11201400" cy="1057275"/>
           </a:xfrm>
           <a:prstGeom prst="rect">
             <a:avLst/>
@@ -6249,290 +6616,99 @@
                 <a:cs typeface="Tenor Sans"/>
                 <a:sym typeface="Tenor Sans"/>
               </a:rPr>
-              <a:t>Kết luận và thông tin liên hệ</a:t>
+              <a:t>Kết luận </a:t>
             </a:r>
           </a:p>
         </p:txBody>
       </p:sp>
-      <p:grpSp>
-        <p:nvGrpSpPr>
-          <p:cNvPr name="Group 5" id="5"/>
-          <p:cNvGrpSpPr/>
+      <p:sp>
+        <p:nvSpPr>
+          <p:cNvPr name="TextBox 5" id="5"/>
+          <p:cNvSpPr txBox="true"/>
           <p:nvPr/>
-        </p:nvGrpSpPr>
-        <p:grpSpPr>
+        </p:nvSpPr>
+        <p:spPr>
           <a:xfrm rot="0">
-            <a:off x="666750" y="5143500"/>
-            <a:ext cx="8324850" cy="3465218"/>
-            <a:chOff x="0" y="0"/>
-            <a:chExt cx="11099800" cy="4620291"/>
+            <a:off x="666750" y="3823335"/>
+            <a:ext cx="10458450" cy="5434965"/>
           </a:xfrm>
-        </p:grpSpPr>
-        <p:sp>
-          <p:nvSpPr>
-            <p:cNvPr name="TextBox 6" id="6"/>
-            <p:cNvSpPr txBox="true"/>
-            <p:nvPr/>
-          </p:nvSpPr>
-          <p:spPr>
-            <a:xfrm rot="0">
-              <a:off x="0" y="-76200"/>
-              <a:ext cx="11099800" cy="563880"/>
-            </a:xfrm>
-            <a:prstGeom prst="rect">
-              <a:avLst/>
-            </a:prstGeom>
-          </p:spPr>
-          <p:txBody>
-            <a:bodyPr anchor="t" rtlCol="false" tIns="0" lIns="0" bIns="0" rIns="0">
-              <a:spAutoFit/>
-            </a:bodyPr>
-            <a:lstStyle/>
-            <a:p>
-              <a:pPr algn="l" marL="0" indent="0" lvl="0">
-                <a:lnSpc>
-                  <a:spcPts val="3600"/>
-                </a:lnSpc>
-                <a:spcBef>
-                  <a:spcPct val="0"/>
-                </a:spcBef>
-              </a:pPr>
-              <a:r>
-                <a:rPr lang="en-US" b="true" sz="2400" u="none">
-                  <a:solidFill>
-                    <a:srgbClr val="C5CAE9"/>
-                  </a:solidFill>
-                  <a:latin typeface="Clear Sans Bold"/>
-                  <a:ea typeface="Clear Sans Bold"/>
-                  <a:cs typeface="Clear Sans Bold"/>
-                  <a:sym typeface="Clear Sans Bold"/>
-                </a:rPr>
-                <a:t>ĐỊA CHỈ EMAIL</a:t>
-              </a:r>
-            </a:p>
-          </p:txBody>
-        </p:sp>
-        <p:sp>
-          <p:nvSpPr>
-            <p:cNvPr name="TextBox 7" id="7"/>
-            <p:cNvSpPr txBox="true"/>
-            <p:nvPr/>
-          </p:nvSpPr>
-          <p:spPr>
-            <a:xfrm rot="0">
-              <a:off x="0" y="567135"/>
-              <a:ext cx="11099800" cy="471805"/>
-            </a:xfrm>
-            <a:prstGeom prst="rect">
-              <a:avLst/>
-            </a:prstGeom>
-          </p:spPr>
-          <p:txBody>
-            <a:bodyPr anchor="t" rtlCol="false" tIns="0" lIns="0" bIns="0" rIns="0">
-              <a:spAutoFit/>
-            </a:bodyPr>
-            <a:lstStyle/>
-            <a:p>
-              <a:pPr algn="l" marL="0" indent="0" lvl="0">
-                <a:lnSpc>
-                  <a:spcPts val="2940"/>
-                </a:lnSpc>
-                <a:spcBef>
-                  <a:spcPct val="0"/>
-                </a:spcBef>
-              </a:pPr>
-              <a:r>
-                <a:rPr lang="en-US" sz="2100" u="none">
-                  <a:solidFill>
-                    <a:srgbClr val="BBDEFB"/>
-                  </a:solidFill>
-                  <a:latin typeface="Clear Sans"/>
-                  <a:ea typeface="Clear Sans"/>
-                  <a:cs typeface="Clear Sans"/>
-                  <a:sym typeface="Clear Sans"/>
-                </a:rPr>
-                <a:t>hello@reallygreatsite</a:t>
-              </a:r>
-            </a:p>
-          </p:txBody>
-        </p:sp>
-        <p:sp>
-          <p:nvSpPr>
-            <p:cNvPr name="TextBox 8" id="8"/>
-            <p:cNvSpPr txBox="true"/>
-            <p:nvPr/>
-          </p:nvSpPr>
-          <p:spPr>
-            <a:xfrm rot="0">
-              <a:off x="0" y="1714475"/>
-              <a:ext cx="11099800" cy="563880"/>
-            </a:xfrm>
-            <a:prstGeom prst="rect">
-              <a:avLst/>
-            </a:prstGeom>
-          </p:spPr>
-          <p:txBody>
-            <a:bodyPr anchor="t" rtlCol="false" tIns="0" lIns="0" bIns="0" rIns="0">
-              <a:spAutoFit/>
-            </a:bodyPr>
-            <a:lstStyle/>
-            <a:p>
-              <a:pPr algn="l" marL="0" indent="0" lvl="0">
-                <a:lnSpc>
-                  <a:spcPts val="3600"/>
-                </a:lnSpc>
-                <a:spcBef>
-                  <a:spcPct val="0"/>
-                </a:spcBef>
-              </a:pPr>
-              <a:r>
-                <a:rPr lang="en-US" b="true" sz="2400">
-                  <a:solidFill>
-                    <a:srgbClr val="C5CAE9"/>
-                  </a:solidFill>
-                  <a:latin typeface="Clear Sans Bold"/>
-                  <a:ea typeface="Clear Sans Bold"/>
-                  <a:cs typeface="Clear Sans Bold"/>
-                  <a:sym typeface="Clear Sans Bold"/>
-                </a:rPr>
-                <a:t>TÀI KHOẢN MẠNG XÃ HỘI</a:t>
-              </a:r>
-            </a:p>
-          </p:txBody>
-        </p:sp>
-        <p:sp>
-          <p:nvSpPr>
-            <p:cNvPr name="TextBox 9" id="9"/>
-            <p:cNvSpPr txBox="true"/>
-            <p:nvPr/>
-          </p:nvSpPr>
-          <p:spPr>
-            <a:xfrm rot="0">
-              <a:off x="0" y="2357810"/>
-              <a:ext cx="11099800" cy="471805"/>
-            </a:xfrm>
-            <a:prstGeom prst="rect">
-              <a:avLst/>
-            </a:prstGeom>
-          </p:spPr>
-          <p:txBody>
-            <a:bodyPr anchor="t" rtlCol="false" tIns="0" lIns="0" bIns="0" rIns="0">
-              <a:spAutoFit/>
-            </a:bodyPr>
-            <a:lstStyle/>
-            <a:p>
-              <a:pPr algn="l" marL="0" indent="0" lvl="0">
-                <a:lnSpc>
-                  <a:spcPts val="2940"/>
-                </a:lnSpc>
-                <a:spcBef>
-                  <a:spcPct val="0"/>
-                </a:spcBef>
-              </a:pPr>
-              <a:r>
-                <a:rPr lang="en-US" sz="2100">
-                  <a:solidFill>
-                    <a:srgbClr val="BBDEFB"/>
-                  </a:solidFill>
-                  <a:latin typeface="Clear Sans"/>
-                  <a:ea typeface="Clear Sans"/>
-                  <a:cs typeface="Clear Sans"/>
-                  <a:sym typeface="Clear Sans"/>
-                </a:rPr>
-                <a:t>@reallygreatsite</a:t>
-              </a:r>
-            </a:p>
-          </p:txBody>
-        </p:sp>
-        <p:sp>
-          <p:nvSpPr>
-            <p:cNvPr name="TextBox 10" id="10"/>
-            <p:cNvSpPr txBox="true"/>
-            <p:nvPr/>
-          </p:nvSpPr>
-          <p:spPr>
-            <a:xfrm rot="0">
-              <a:off x="0" y="3505150"/>
-              <a:ext cx="11099800" cy="563880"/>
-            </a:xfrm>
-            <a:prstGeom prst="rect">
-              <a:avLst/>
-            </a:prstGeom>
-          </p:spPr>
-          <p:txBody>
-            <a:bodyPr anchor="t" rtlCol="false" tIns="0" lIns="0" bIns="0" rIns="0">
-              <a:spAutoFit/>
-            </a:bodyPr>
-            <a:lstStyle/>
-            <a:p>
-              <a:pPr algn="l" marL="0" indent="0" lvl="0">
-                <a:lnSpc>
-                  <a:spcPts val="3600"/>
-                </a:lnSpc>
-                <a:spcBef>
-                  <a:spcPct val="0"/>
-                </a:spcBef>
-              </a:pPr>
-              <a:r>
-                <a:rPr lang="en-US" b="true" sz="2400">
-                  <a:solidFill>
-                    <a:srgbClr val="C5CAE9"/>
-                  </a:solidFill>
-                  <a:latin typeface="Clear Sans Bold"/>
-                  <a:ea typeface="Clear Sans Bold"/>
-                  <a:cs typeface="Clear Sans Bold"/>
-                  <a:sym typeface="Clear Sans Bold"/>
-                </a:rPr>
-                <a:t>SỐ ĐIỆN THOẠI</a:t>
-              </a:r>
-            </a:p>
-          </p:txBody>
-        </p:sp>
-        <p:sp>
-          <p:nvSpPr>
-            <p:cNvPr name="TextBox 11" id="11"/>
-            <p:cNvSpPr txBox="true"/>
-            <p:nvPr/>
-          </p:nvSpPr>
-          <p:spPr>
-            <a:xfrm rot="0">
-              <a:off x="0" y="4148486"/>
-              <a:ext cx="11099800" cy="471805"/>
-            </a:xfrm>
-            <a:prstGeom prst="rect">
-              <a:avLst/>
-            </a:prstGeom>
-          </p:spPr>
-          <p:txBody>
-            <a:bodyPr anchor="t" rtlCol="false" tIns="0" lIns="0" bIns="0" rIns="0">
-              <a:spAutoFit/>
-            </a:bodyPr>
-            <a:lstStyle/>
-            <a:p>
-              <a:pPr algn="l" marL="0" indent="0" lvl="0">
-                <a:lnSpc>
-                  <a:spcPts val="2940"/>
-                </a:lnSpc>
-                <a:spcBef>
-                  <a:spcPct val="0"/>
-                </a:spcBef>
-              </a:pPr>
-              <a:r>
-                <a:rPr lang="en-US" sz="2100">
-                  <a:solidFill>
-                    <a:srgbClr val="BBDEFB"/>
-                  </a:solidFill>
-                  <a:latin typeface="Clear Sans"/>
-                  <a:ea typeface="Clear Sans"/>
-                  <a:cs typeface="Clear Sans"/>
-                  <a:sym typeface="Clear Sans"/>
-                </a:rPr>
-                <a:t>123-456-7890</a:t>
-              </a:r>
-            </a:p>
-          </p:txBody>
-        </p:sp>
-      </p:grpSp>
+          <a:prstGeom prst="rect">
+            <a:avLst/>
+          </a:prstGeom>
+        </p:spPr>
+        <p:txBody>
+          <a:bodyPr anchor="t" rtlCol="false" tIns="0" lIns="0" bIns="0" rIns="0">
+            <a:spAutoFit/>
+          </a:bodyPr>
+          <a:lstStyle/>
+          <a:p>
+            <a:pPr algn="l">
+              <a:lnSpc>
+                <a:spcPts val="3359"/>
+              </a:lnSpc>
+              <a:spcBef>
+                <a:spcPct val="0"/>
+              </a:spcBef>
+            </a:pPr>
+            <a:r>
+              <a:rPr lang="en-US" b="true" sz="2400">
+                <a:solidFill>
+                  <a:srgbClr val="FFFFFF"/>
+                </a:solidFill>
+                <a:latin typeface="Clear Sans Medium"/>
+                <a:ea typeface="Clear Sans Medium"/>
+                <a:cs typeface="Clear Sans Medium"/>
+                <a:sym typeface="Clear Sans Medium"/>
+              </a:rPr>
+              <a:t>DỰ ÁN ĐÃ XÂY DỰNG THÀNH CÔNG HỆ THỐNG MULTI-AGENT, MỘT CÔNG CỤ HỖ TRỢ PHÂN TÍCH VÀ KHUYẾN NGHỊ ĐẦU TƯ HIỆU QUẢ CHO THỊ TRƯỜNG CHỨNG KHOÁN VIỆT NAM. HỆ THỐNG ĐÃ TỰ ĐỘNG HÓA TOÀN DIỆN QUY TRÌNH TỪ THU THẬP, XỬ LÝ DỮ LIỆU ĐẾN PHÂN TÍCH VÀ DỰ BÁO BẰNG CÁC MÔ HÌNH HỌC MÁY TIÊN TIẾN NHƯ LSTM.</a:t>
+            </a:r>
+          </a:p>
+          <a:p>
+            <a:pPr algn="l">
+              <a:lnSpc>
+                <a:spcPts val="3359"/>
+              </a:lnSpc>
+              <a:spcBef>
+                <a:spcPct val="0"/>
+              </a:spcBef>
+            </a:pPr>
+            <a:r>
+              <a:rPr lang="en-US" b="true" sz="2400">
+                <a:solidFill>
+                  <a:srgbClr val="FFFFFF"/>
+                </a:solidFill>
+                <a:latin typeface="Clear Sans Medium"/>
+                <a:ea typeface="Clear Sans Medium"/>
+                <a:cs typeface="Clear Sans Medium"/>
+                <a:sym typeface="Clear Sans Medium"/>
+              </a:rPr>
+              <a:t>VỚI KIẾN TRÚC AGENT LINH HOẠT VÀ GIAO DIỆN NGƯỜI DÙNG TRỰC QUAN, HỆ THỐNG KHÔNG CHỈ ĐÁP ỨNG CÁC MỤC TIÊU KỸ THUẬT ĐỀ RA MÀ CÒN KHẲNG ĐỊNH ĐƯỢC TIỀM NĂNG ỨNG DỤNG THỰC TIỄN, TRỞ THÀNH MỘT TRỢ THỦ ĐẮC LỰC CHO NHÀ ĐẦU TƯ TRONG VIỆC RA QUYẾT ĐỊNH.</a:t>
+            </a:r>
+          </a:p>
+          <a:p>
+            <a:pPr algn="l">
+              <a:lnSpc>
+                <a:spcPts val="3359"/>
+              </a:lnSpc>
+              <a:spcBef>
+                <a:spcPct val="0"/>
+              </a:spcBef>
+            </a:pPr>
+            <a:r>
+              <a:rPr lang="en-US" b="true" sz="2400">
+                <a:solidFill>
+                  <a:srgbClr val="FFFFFF"/>
+                </a:solidFill>
+                <a:latin typeface="Clear Sans Medium"/>
+                <a:ea typeface="Clear Sans Medium"/>
+                <a:cs typeface="Clear Sans Medium"/>
+                <a:sym typeface="Clear Sans Medium"/>
+              </a:rPr>
+              <a:t>TUY NHIÊN, HỆ THỐNG VẪN CÒN KHÔNG GIAN ĐỂ CẢI TIẾN, ĐẶC BIỆT LÀ VỀ ĐỘ CHÍNH XÁC CỦA CÁC MÔ HÌNH DỰ BÁO VÀ KHẢ NĂNG XỬ LÝ Ở QUY MÔ LỚN TRONG THỜI GIAN THỰC.</a:t>
+            </a:r>
+          </a:p>
+        </p:txBody>
+      </p:sp>
     </p:spTree>
   </p:cSld>
   <p:clrMapOvr>
